--- a/MVC4 and EmberJS.pptx
+++ b/MVC4 and EmberJS.pptx
@@ -6,6 +6,13 @@
   </p:sldMasterIdLst>
   <p:sldIdLst>
     <p:sldId id="256" r:id="rId2"/>
+    <p:sldId id="257" r:id="rId3"/>
+    <p:sldId id="258" r:id="rId4"/>
+    <p:sldId id="259" r:id="rId5"/>
+    <p:sldId id="260" r:id="rId6"/>
+    <p:sldId id="261" r:id="rId7"/>
+    <p:sldId id="262" r:id="rId8"/>
+    <p:sldId id="263" r:id="rId9"/>
   </p:sldIdLst>
   <p:sldSz cx="9144000" cy="6858000" type="screen4x3"/>
   <p:notesSz cx="6858000" cy="9144000"/>
@@ -3145,6 +3152,798 @@
     <p:extLst>
       <p:ext uri="{BB962C8B-B14F-4D97-AF65-F5344CB8AC3E}">
         <p14:creationId xmlns:p14="http://schemas.microsoft.com/office/powerpoint/2010/main" val="1029409505"/>
+      </p:ext>
+    </p:extLst>
+  </p:cSld>
+  <p:clrMapOvr>
+    <a:masterClrMapping/>
+  </p:clrMapOvr>
+  <p:timing>
+    <p:tnLst>
+      <p:par>
+        <p:cTn id="1" dur="indefinite" restart="never" nodeType="tmRoot"/>
+      </p:par>
+    </p:tnLst>
+  </p:timing>
+</p:sld>
+</file>
+
+<file path=ppt/slides/slide2.xml><?xml version="1.0" encoding="utf-8"?>
+<p:sld xmlns:a="http://schemas.openxmlformats.org/drawingml/2006/main" xmlns:r="http://schemas.openxmlformats.org/officeDocument/2006/relationships" xmlns:p="http://schemas.openxmlformats.org/presentationml/2006/main">
+  <p:cSld>
+    <p:spTree>
+      <p:nvGrpSpPr>
+        <p:cNvPr id="1" name=""/>
+        <p:cNvGrpSpPr/>
+        <p:nvPr/>
+      </p:nvGrpSpPr>
+      <p:grpSpPr>
+        <a:xfrm>
+          <a:off x="0" y="0"/>
+          <a:ext cx="0" cy="0"/>
+          <a:chOff x="0" y="0"/>
+          <a:chExt cx="0" cy="0"/>
+        </a:xfrm>
+      </p:grpSpPr>
+      <p:sp>
+        <p:nvSpPr>
+          <p:cNvPr id="2" name="Title 1"/>
+          <p:cNvSpPr>
+            <a:spLocks noGrp="1"/>
+          </p:cNvSpPr>
+          <p:nvPr>
+            <p:ph type="title"/>
+          </p:nvPr>
+        </p:nvSpPr>
+        <p:spPr/>
+        <p:txBody>
+          <a:bodyPr/>
+          <a:lstStyle/>
+          <a:p>
+            <a:r>
+              <a:rPr lang="en-US" dirty="0" smtClean="0"/>
+              <a:t>Web API</a:t>
+            </a:r>
+            <a:endParaRPr lang="en-US" dirty="0"/>
+          </a:p>
+        </p:txBody>
+      </p:sp>
+      <p:sp>
+        <p:nvSpPr>
+          <p:cNvPr id="3" name="Content Placeholder 2"/>
+          <p:cNvSpPr>
+            <a:spLocks noGrp="1"/>
+          </p:cNvSpPr>
+          <p:nvPr>
+            <p:ph idx="1"/>
+          </p:nvPr>
+        </p:nvSpPr>
+        <p:spPr/>
+        <p:txBody>
+          <a:bodyPr/>
+          <a:lstStyle/>
+          <a:p>
+            <a:r>
+              <a:rPr lang="en-US" dirty="0" smtClean="0"/>
+              <a:t>Fully Featured REST Based API</a:t>
+            </a:r>
+          </a:p>
+          <a:p>
+            <a:r>
+              <a:rPr lang="en-US" dirty="0" smtClean="0"/>
+              <a:t>Model Controller architecture for highly cohesive , testable APIs</a:t>
+            </a:r>
+          </a:p>
+          <a:p>
+            <a:r>
+              <a:rPr lang="en-US" dirty="0" smtClean="0"/>
+              <a:t>Easily consumable JSON via HTTP</a:t>
+            </a:r>
+          </a:p>
+          <a:p>
+            <a:r>
+              <a:rPr lang="en-US" dirty="0" smtClean="0"/>
+              <a:t>Shared security model for easy integration into existing applications</a:t>
+            </a:r>
+          </a:p>
+          <a:p>
+            <a:r>
+              <a:rPr lang="en-US" dirty="0" smtClean="0"/>
+              <a:t>Extensible</a:t>
+            </a:r>
+            <a:endParaRPr lang="en-US" dirty="0"/>
+          </a:p>
+        </p:txBody>
+      </p:sp>
+    </p:spTree>
+    <p:extLst>
+      <p:ext uri="{BB962C8B-B14F-4D97-AF65-F5344CB8AC3E}">
+        <p14:creationId xmlns:p14="http://schemas.microsoft.com/office/powerpoint/2010/main" val="2371575935"/>
+      </p:ext>
+    </p:extLst>
+  </p:cSld>
+  <p:clrMapOvr>
+    <a:masterClrMapping/>
+  </p:clrMapOvr>
+  <p:timing>
+    <p:tnLst>
+      <p:par>
+        <p:cTn id="1" dur="indefinite" restart="never" nodeType="tmRoot"/>
+      </p:par>
+    </p:tnLst>
+  </p:timing>
+</p:sld>
+</file>
+
+<file path=ppt/slides/slide3.xml><?xml version="1.0" encoding="utf-8"?>
+<p:sld xmlns:a="http://schemas.openxmlformats.org/drawingml/2006/main" xmlns:r="http://schemas.openxmlformats.org/officeDocument/2006/relationships" xmlns:p="http://schemas.openxmlformats.org/presentationml/2006/main">
+  <p:cSld>
+    <p:spTree>
+      <p:nvGrpSpPr>
+        <p:cNvPr id="1" name=""/>
+        <p:cNvGrpSpPr/>
+        <p:nvPr/>
+      </p:nvGrpSpPr>
+      <p:grpSpPr>
+        <a:xfrm>
+          <a:off x="0" y="0"/>
+          <a:ext cx="0" cy="0"/>
+          <a:chOff x="0" y="0"/>
+          <a:chExt cx="0" cy="0"/>
+        </a:xfrm>
+      </p:grpSpPr>
+      <p:sp>
+        <p:nvSpPr>
+          <p:cNvPr id="2" name="Title 1"/>
+          <p:cNvSpPr>
+            <a:spLocks noGrp="1"/>
+          </p:cNvSpPr>
+          <p:nvPr>
+            <p:ph type="title"/>
+          </p:nvPr>
+        </p:nvSpPr>
+        <p:spPr/>
+        <p:txBody>
+          <a:bodyPr/>
+          <a:lstStyle/>
+          <a:p>
+            <a:r>
+              <a:rPr lang="en-US" dirty="0" smtClean="0"/>
+              <a:t>Web API Implementation</a:t>
+            </a:r>
+            <a:endParaRPr lang="en-US" dirty="0"/>
+          </a:p>
+        </p:txBody>
+      </p:sp>
+      <p:sp>
+        <p:nvSpPr>
+          <p:cNvPr id="3" name="Content Placeholder 2"/>
+          <p:cNvSpPr>
+            <a:spLocks noGrp="1"/>
+          </p:cNvSpPr>
+          <p:nvPr>
+            <p:ph idx="1"/>
+          </p:nvPr>
+        </p:nvSpPr>
+        <p:spPr/>
+        <p:txBody>
+          <a:bodyPr/>
+          <a:lstStyle/>
+          <a:p>
+            <a:r>
+              <a:rPr lang="en-US" dirty="0" smtClean="0"/>
+              <a:t>Routing</a:t>
+            </a:r>
+          </a:p>
+          <a:p>
+            <a:r>
+              <a:rPr lang="en-US" dirty="0" err="1" smtClean="0"/>
+              <a:t>ApiController</a:t>
+            </a:r>
+            <a:endParaRPr lang="en-US" dirty="0" smtClean="0"/>
+          </a:p>
+          <a:p>
+            <a:r>
+              <a:rPr lang="en-US" dirty="0" smtClean="0"/>
+              <a:t>Testing</a:t>
+            </a:r>
+          </a:p>
+          <a:p>
+            <a:r>
+              <a:rPr lang="en-US" dirty="0" smtClean="0"/>
+              <a:t>HTTP</a:t>
+            </a:r>
+            <a:endParaRPr lang="en-US" dirty="0"/>
+          </a:p>
+        </p:txBody>
+      </p:sp>
+    </p:spTree>
+    <p:extLst>
+      <p:ext uri="{BB962C8B-B14F-4D97-AF65-F5344CB8AC3E}">
+        <p14:creationId xmlns:p14="http://schemas.microsoft.com/office/powerpoint/2010/main" val="1210725548"/>
+      </p:ext>
+    </p:extLst>
+  </p:cSld>
+  <p:clrMapOvr>
+    <a:masterClrMapping/>
+  </p:clrMapOvr>
+  <p:timing>
+    <p:tnLst>
+      <p:par>
+        <p:cTn id="1" dur="indefinite" restart="never" nodeType="tmRoot"/>
+      </p:par>
+    </p:tnLst>
+  </p:timing>
+</p:sld>
+</file>
+
+<file path=ppt/slides/slide4.xml><?xml version="1.0" encoding="utf-8"?>
+<p:sld xmlns:a="http://schemas.openxmlformats.org/drawingml/2006/main" xmlns:r="http://schemas.openxmlformats.org/officeDocument/2006/relationships" xmlns:p="http://schemas.openxmlformats.org/presentationml/2006/main">
+  <p:cSld>
+    <p:spTree>
+      <p:nvGrpSpPr>
+        <p:cNvPr id="1" name=""/>
+        <p:cNvGrpSpPr/>
+        <p:nvPr/>
+      </p:nvGrpSpPr>
+      <p:grpSpPr>
+        <a:xfrm>
+          <a:off x="0" y="0"/>
+          <a:ext cx="0" cy="0"/>
+          <a:chOff x="0" y="0"/>
+          <a:chExt cx="0" cy="0"/>
+        </a:xfrm>
+      </p:grpSpPr>
+      <p:sp>
+        <p:nvSpPr>
+          <p:cNvPr id="2" name="Title 1"/>
+          <p:cNvSpPr>
+            <a:spLocks noGrp="1"/>
+          </p:cNvSpPr>
+          <p:nvPr>
+            <p:ph type="title"/>
+          </p:nvPr>
+        </p:nvSpPr>
+        <p:spPr/>
+        <p:txBody>
+          <a:bodyPr/>
+          <a:lstStyle/>
+          <a:p>
+            <a:r>
+              <a:rPr lang="en-US" dirty="0" smtClean="0"/>
+              <a:t>Mobile Views</a:t>
+            </a:r>
+            <a:endParaRPr lang="en-US" dirty="0"/>
+          </a:p>
+        </p:txBody>
+      </p:sp>
+      <p:sp>
+        <p:nvSpPr>
+          <p:cNvPr id="3" name="Content Placeholder 2"/>
+          <p:cNvSpPr>
+            <a:spLocks noGrp="1"/>
+          </p:cNvSpPr>
+          <p:nvPr>
+            <p:ph idx="1"/>
+          </p:nvPr>
+        </p:nvSpPr>
+        <p:spPr/>
+        <p:txBody>
+          <a:bodyPr/>
+          <a:lstStyle/>
+          <a:p>
+            <a:r>
+              <a:rPr lang="en-US" dirty="0" smtClean="0"/>
+              <a:t>Mobile strategy</a:t>
+            </a:r>
+          </a:p>
+          <a:p>
+            <a:r>
+              <a:rPr lang="en-US" dirty="0" smtClean="0"/>
+              <a:t>Options</a:t>
+            </a:r>
+          </a:p>
+          <a:p>
+            <a:pPr lvl="1"/>
+            <a:r>
+              <a:rPr lang="en-US" dirty="0" smtClean="0"/>
+              <a:t>Native</a:t>
+            </a:r>
+          </a:p>
+          <a:p>
+            <a:pPr lvl="1"/>
+            <a:r>
+              <a:rPr lang="en-US" dirty="0" smtClean="0"/>
+              <a:t>Media Queries</a:t>
+            </a:r>
+          </a:p>
+          <a:p>
+            <a:pPr lvl="1"/>
+            <a:r>
+              <a:rPr lang="en-US" dirty="0" smtClean="0"/>
+              <a:t>Mobile Web Site</a:t>
+            </a:r>
+          </a:p>
+          <a:p>
+            <a:pPr lvl="1"/>
+            <a:r>
+              <a:rPr lang="en-US" dirty="0" smtClean="0"/>
+              <a:t>MVC4 Mobile Views</a:t>
+            </a:r>
+          </a:p>
+          <a:p>
+            <a:endParaRPr lang="en-US"/>
+          </a:p>
+        </p:txBody>
+      </p:sp>
+    </p:spTree>
+    <p:extLst>
+      <p:ext uri="{BB962C8B-B14F-4D97-AF65-F5344CB8AC3E}">
+        <p14:creationId xmlns:p14="http://schemas.microsoft.com/office/powerpoint/2010/main" val="94496369"/>
+      </p:ext>
+    </p:extLst>
+  </p:cSld>
+  <p:clrMapOvr>
+    <a:masterClrMapping/>
+  </p:clrMapOvr>
+  <p:timing>
+    <p:tnLst>
+      <p:par>
+        <p:cTn id="1" dur="indefinite" restart="never" nodeType="tmRoot"/>
+      </p:par>
+    </p:tnLst>
+  </p:timing>
+</p:sld>
+</file>
+
+<file path=ppt/slides/slide5.xml><?xml version="1.0" encoding="utf-8"?>
+<p:sld xmlns:a="http://schemas.openxmlformats.org/drawingml/2006/main" xmlns:r="http://schemas.openxmlformats.org/officeDocument/2006/relationships" xmlns:p="http://schemas.openxmlformats.org/presentationml/2006/main">
+  <p:cSld>
+    <p:spTree>
+      <p:nvGrpSpPr>
+        <p:cNvPr id="1" name=""/>
+        <p:cNvGrpSpPr/>
+        <p:nvPr/>
+      </p:nvGrpSpPr>
+      <p:grpSpPr>
+        <a:xfrm>
+          <a:off x="0" y="0"/>
+          <a:ext cx="0" cy="0"/>
+          <a:chOff x="0" y="0"/>
+          <a:chExt cx="0" cy="0"/>
+        </a:xfrm>
+      </p:grpSpPr>
+      <p:sp>
+        <p:nvSpPr>
+          <p:cNvPr id="2" name="Title 1"/>
+          <p:cNvSpPr>
+            <a:spLocks noGrp="1"/>
+          </p:cNvSpPr>
+          <p:nvPr>
+            <p:ph type="title"/>
+          </p:nvPr>
+        </p:nvSpPr>
+        <p:spPr/>
+        <p:txBody>
+          <a:bodyPr/>
+          <a:lstStyle/>
+          <a:p>
+            <a:r>
+              <a:rPr lang="en-US" dirty="0" smtClean="0"/>
+              <a:t>Mobile View Implementation</a:t>
+            </a:r>
+            <a:endParaRPr lang="en-US" dirty="0"/>
+          </a:p>
+        </p:txBody>
+      </p:sp>
+      <p:sp>
+        <p:nvSpPr>
+          <p:cNvPr id="3" name="Content Placeholder 2"/>
+          <p:cNvSpPr>
+            <a:spLocks noGrp="1"/>
+          </p:cNvSpPr>
+          <p:nvPr>
+            <p:ph idx="1"/>
+          </p:nvPr>
+        </p:nvSpPr>
+        <p:spPr/>
+        <p:txBody>
+          <a:bodyPr/>
+          <a:lstStyle/>
+          <a:p>
+            <a:r>
+              <a:rPr lang="en-US" dirty="0" smtClean="0"/>
+              <a:t>It just works</a:t>
+            </a:r>
+          </a:p>
+          <a:p>
+            <a:pPr lvl="1"/>
+            <a:r>
+              <a:rPr lang="en-US" dirty="0" smtClean="0"/>
+              <a:t>Mobile out of the box in MVC 4</a:t>
+            </a:r>
+          </a:p>
+          <a:p>
+            <a:r>
+              <a:rPr lang="en-US" dirty="0" smtClean="0"/>
+              <a:t>Customize Display Providers</a:t>
+            </a:r>
+          </a:p>
+          <a:p>
+            <a:endParaRPr lang="en-US" dirty="0" smtClean="0"/>
+          </a:p>
+          <a:p>
+            <a:endParaRPr lang="en-US" dirty="0"/>
+          </a:p>
+        </p:txBody>
+      </p:sp>
+    </p:spTree>
+    <p:extLst>
+      <p:ext uri="{BB962C8B-B14F-4D97-AF65-F5344CB8AC3E}">
+        <p14:creationId xmlns:p14="http://schemas.microsoft.com/office/powerpoint/2010/main" val="3618963392"/>
+      </p:ext>
+    </p:extLst>
+  </p:cSld>
+  <p:clrMapOvr>
+    <a:masterClrMapping/>
+  </p:clrMapOvr>
+  <p:timing>
+    <p:tnLst>
+      <p:par>
+        <p:cTn id="1" dur="indefinite" restart="never" nodeType="tmRoot"/>
+      </p:par>
+    </p:tnLst>
+  </p:timing>
+</p:sld>
+</file>
+
+<file path=ppt/slides/slide6.xml><?xml version="1.0" encoding="utf-8"?>
+<p:sld xmlns:a="http://schemas.openxmlformats.org/drawingml/2006/main" xmlns:r="http://schemas.openxmlformats.org/officeDocument/2006/relationships" xmlns:p="http://schemas.openxmlformats.org/presentationml/2006/main">
+  <p:cSld>
+    <p:spTree>
+      <p:nvGrpSpPr>
+        <p:cNvPr id="1" name=""/>
+        <p:cNvGrpSpPr/>
+        <p:nvPr/>
+      </p:nvGrpSpPr>
+      <p:grpSpPr>
+        <a:xfrm>
+          <a:off x="0" y="0"/>
+          <a:ext cx="0" cy="0"/>
+          <a:chOff x="0" y="0"/>
+          <a:chExt cx="0" cy="0"/>
+        </a:xfrm>
+      </p:grpSpPr>
+      <p:sp>
+        <p:nvSpPr>
+          <p:cNvPr id="2" name="Title 1"/>
+          <p:cNvSpPr>
+            <a:spLocks noGrp="1"/>
+          </p:cNvSpPr>
+          <p:nvPr>
+            <p:ph type="title"/>
+          </p:nvPr>
+        </p:nvSpPr>
+        <p:spPr/>
+        <p:txBody>
+          <a:bodyPr/>
+          <a:lstStyle/>
+          <a:p>
+            <a:r>
+              <a:rPr lang="en-US" dirty="0" err="1" smtClean="0"/>
+              <a:t>EmberJS</a:t>
+            </a:r>
+            <a:endParaRPr lang="en-US" dirty="0"/>
+          </a:p>
+        </p:txBody>
+      </p:sp>
+      <p:sp>
+        <p:nvSpPr>
+          <p:cNvPr id="3" name="Content Placeholder 2"/>
+          <p:cNvSpPr>
+            <a:spLocks noGrp="1"/>
+          </p:cNvSpPr>
+          <p:nvPr>
+            <p:ph idx="1"/>
+          </p:nvPr>
+        </p:nvSpPr>
+        <p:spPr/>
+        <p:txBody>
+          <a:bodyPr>
+            <a:normAutofit/>
+          </a:bodyPr>
+          <a:lstStyle/>
+          <a:p>
+            <a:r>
+              <a:rPr lang="en-US" dirty="0" smtClean="0"/>
+              <a:t>Rich Client Side MVC</a:t>
+            </a:r>
+          </a:p>
+          <a:p>
+            <a:pPr lvl="1"/>
+            <a:r>
+              <a:rPr lang="en-US" dirty="0" smtClean="0"/>
+              <a:t>Why MVC on the client?</a:t>
+            </a:r>
+          </a:p>
+          <a:p>
+            <a:r>
+              <a:rPr lang="en-US" dirty="0" smtClean="0"/>
+              <a:t>Backbone vs. Ember</a:t>
+            </a:r>
+          </a:p>
+          <a:p>
+            <a:pPr marL="0" indent="0">
+              <a:buNone/>
+            </a:pPr>
+            <a:endParaRPr lang="en-US" dirty="0"/>
+          </a:p>
+        </p:txBody>
+      </p:sp>
+    </p:spTree>
+    <p:extLst>
+      <p:ext uri="{BB962C8B-B14F-4D97-AF65-F5344CB8AC3E}">
+        <p14:creationId xmlns:p14="http://schemas.microsoft.com/office/powerpoint/2010/main" val="4011338593"/>
+      </p:ext>
+    </p:extLst>
+  </p:cSld>
+  <p:clrMapOvr>
+    <a:masterClrMapping/>
+  </p:clrMapOvr>
+  <p:timing>
+    <p:tnLst>
+      <p:par>
+        <p:cTn id="1" dur="indefinite" restart="never" nodeType="tmRoot"/>
+      </p:par>
+    </p:tnLst>
+  </p:timing>
+</p:sld>
+</file>
+
+<file path=ppt/slides/slide7.xml><?xml version="1.0" encoding="utf-8"?>
+<p:sld xmlns:a="http://schemas.openxmlformats.org/drawingml/2006/main" xmlns:r="http://schemas.openxmlformats.org/officeDocument/2006/relationships" xmlns:p="http://schemas.openxmlformats.org/presentationml/2006/main">
+  <p:cSld>
+    <p:spTree>
+      <p:nvGrpSpPr>
+        <p:cNvPr id="1" name=""/>
+        <p:cNvGrpSpPr/>
+        <p:nvPr/>
+      </p:nvGrpSpPr>
+      <p:grpSpPr>
+        <a:xfrm>
+          <a:off x="0" y="0"/>
+          <a:ext cx="0" cy="0"/>
+          <a:chOff x="0" y="0"/>
+          <a:chExt cx="0" cy="0"/>
+        </a:xfrm>
+      </p:grpSpPr>
+      <p:sp>
+        <p:nvSpPr>
+          <p:cNvPr id="2" name="Title 1"/>
+          <p:cNvSpPr>
+            <a:spLocks noGrp="1"/>
+          </p:cNvSpPr>
+          <p:nvPr>
+            <p:ph type="title"/>
+          </p:nvPr>
+        </p:nvSpPr>
+        <p:spPr/>
+        <p:txBody>
+          <a:bodyPr/>
+          <a:lstStyle/>
+          <a:p>
+            <a:r>
+              <a:rPr lang="en-US" dirty="0" smtClean="0"/>
+              <a:t>Implementing </a:t>
+            </a:r>
+            <a:r>
+              <a:rPr lang="en-US" dirty="0" err="1" smtClean="0"/>
+              <a:t>EmberJS</a:t>
+            </a:r>
+            <a:endParaRPr lang="en-US" dirty="0"/>
+          </a:p>
+        </p:txBody>
+      </p:sp>
+      <p:sp>
+        <p:nvSpPr>
+          <p:cNvPr id="3" name="Content Placeholder 2"/>
+          <p:cNvSpPr>
+            <a:spLocks noGrp="1"/>
+          </p:cNvSpPr>
+          <p:nvPr>
+            <p:ph idx="1"/>
+          </p:nvPr>
+        </p:nvSpPr>
+        <p:spPr/>
+        <p:txBody>
+          <a:bodyPr/>
+          <a:lstStyle/>
+          <a:p>
+            <a:r>
+              <a:rPr lang="en-US" dirty="0" err="1" smtClean="0"/>
+              <a:t>Ember.Application</a:t>
+            </a:r>
+            <a:endParaRPr lang="en-US" dirty="0" smtClean="0"/>
+          </a:p>
+          <a:p>
+            <a:r>
+              <a:rPr lang="en-US" dirty="0" err="1" smtClean="0"/>
+              <a:t>Ember.Object</a:t>
+            </a:r>
+            <a:endParaRPr lang="en-US" dirty="0" smtClean="0"/>
+          </a:p>
+          <a:p>
+            <a:pPr lvl="1"/>
+            <a:r>
+              <a:rPr lang="en-US" dirty="0" smtClean="0"/>
+              <a:t>Binding</a:t>
+            </a:r>
+          </a:p>
+          <a:p>
+            <a:pPr lvl="1"/>
+            <a:r>
+              <a:rPr lang="en-US" dirty="0" smtClean="0"/>
+              <a:t>Computed Properties</a:t>
+            </a:r>
+            <a:endParaRPr lang="en-US" dirty="0"/>
+          </a:p>
+          <a:p>
+            <a:pPr lvl="1"/>
+            <a:r>
+              <a:rPr lang="en-US" dirty="0" err="1" smtClean="0"/>
+              <a:t>Ember.ArrayController</a:t>
+            </a:r>
+            <a:endParaRPr lang="en-US" dirty="0"/>
+          </a:p>
+          <a:p>
+            <a:r>
+              <a:rPr lang="en-US" dirty="0" err="1" smtClean="0"/>
+              <a:t>Ember.View</a:t>
+            </a:r>
+            <a:endParaRPr lang="en-US" dirty="0" smtClean="0"/>
+          </a:p>
+          <a:p>
+            <a:pPr lvl="1"/>
+            <a:r>
+              <a:rPr lang="en-US" dirty="0" smtClean="0"/>
+              <a:t>Observers</a:t>
+            </a:r>
+          </a:p>
+          <a:p>
+            <a:r>
+              <a:rPr lang="en-US" dirty="0" smtClean="0"/>
+              <a:t>Handlebars</a:t>
+            </a:r>
+          </a:p>
+          <a:p>
+            <a:pPr lvl="1"/>
+            <a:endParaRPr lang="en-US" dirty="0"/>
+          </a:p>
+          <a:p>
+            <a:endParaRPr lang="en-US" dirty="0"/>
+          </a:p>
+        </p:txBody>
+      </p:sp>
+    </p:spTree>
+    <p:extLst>
+      <p:ext uri="{BB962C8B-B14F-4D97-AF65-F5344CB8AC3E}">
+        <p14:creationId xmlns:p14="http://schemas.microsoft.com/office/powerpoint/2010/main" val="3182950385"/>
+      </p:ext>
+    </p:extLst>
+  </p:cSld>
+  <p:clrMapOvr>
+    <a:masterClrMapping/>
+  </p:clrMapOvr>
+  <p:timing>
+    <p:tnLst>
+      <p:par>
+        <p:cTn id="1" dur="indefinite" restart="never" nodeType="tmRoot"/>
+      </p:par>
+    </p:tnLst>
+  </p:timing>
+</p:sld>
+</file>
+
+<file path=ppt/slides/slide8.xml><?xml version="1.0" encoding="utf-8"?>
+<p:sld xmlns:a="http://schemas.openxmlformats.org/drawingml/2006/main" xmlns:r="http://schemas.openxmlformats.org/officeDocument/2006/relationships" xmlns:p="http://schemas.openxmlformats.org/presentationml/2006/main">
+  <p:cSld>
+    <p:spTree>
+      <p:nvGrpSpPr>
+        <p:cNvPr id="1" name=""/>
+        <p:cNvGrpSpPr/>
+        <p:nvPr/>
+      </p:nvGrpSpPr>
+      <p:grpSpPr>
+        <a:xfrm>
+          <a:off x="0" y="0"/>
+          <a:ext cx="0" cy="0"/>
+          <a:chOff x="0" y="0"/>
+          <a:chExt cx="0" cy="0"/>
+        </a:xfrm>
+      </p:grpSpPr>
+      <p:sp>
+        <p:nvSpPr>
+          <p:cNvPr id="2" name="Title 1"/>
+          <p:cNvSpPr>
+            <a:spLocks noGrp="1"/>
+          </p:cNvSpPr>
+          <p:nvPr>
+            <p:ph type="title"/>
+          </p:nvPr>
+        </p:nvSpPr>
+        <p:spPr/>
+        <p:txBody>
+          <a:bodyPr/>
+          <a:lstStyle/>
+          <a:p>
+            <a:endParaRPr lang="en-US"/>
+          </a:p>
+        </p:txBody>
+      </p:sp>
+      <p:sp>
+        <p:nvSpPr>
+          <p:cNvPr id="3" name="Content Placeholder 2"/>
+          <p:cNvSpPr>
+            <a:spLocks noGrp="1"/>
+          </p:cNvSpPr>
+          <p:nvPr>
+            <p:ph idx="1"/>
+          </p:nvPr>
+        </p:nvSpPr>
+        <p:spPr/>
+        <p:txBody>
+          <a:bodyPr/>
+          <a:lstStyle/>
+          <a:p>
+            <a:endParaRPr lang="en-US"/>
+          </a:p>
+        </p:txBody>
+      </p:sp>
+      <p:pic>
+        <p:nvPicPr>
+          <p:cNvPr id="1026" name="Picture 2" descr="D:\Users\Sean\Downloads\mvc.jpg"/>
+          <p:cNvPicPr>
+            <a:picLocks noChangeAspect="1" noChangeArrowheads="1"/>
+          </p:cNvPicPr>
+          <p:nvPr/>
+        </p:nvPicPr>
+        <p:blipFill>
+          <a:blip r:embed="rId2">
+            <a:extLst>
+              <a:ext uri="{28A0092B-C50C-407E-A947-70E740481C1C}">
+                <a14:useLocalDpi xmlns:a14="http://schemas.microsoft.com/office/drawing/2010/main" val="0"/>
+              </a:ext>
+            </a:extLst>
+          </a:blip>
+          <a:srcRect/>
+          <a:stretch>
+            <a:fillRect/>
+          </a:stretch>
+        </p:blipFill>
+        <p:spPr bwMode="auto">
+          <a:xfrm>
+            <a:off x="1676400" y="1066800"/>
+            <a:ext cx="5537200" cy="4152900"/>
+          </a:xfrm>
+          <a:prstGeom prst="rect">
+            <a:avLst/>
+          </a:prstGeom>
+          <a:noFill/>
+          <a:extLst>
+            <a:ext uri="{909E8E84-426E-40DD-AFC4-6F175D3DCCD1}">
+              <a14:hiddenFill xmlns:a14="http://schemas.microsoft.com/office/drawing/2010/main">
+                <a:solidFill>
+                  <a:srgbClr val="FFFFFF"/>
+                </a:solidFill>
+              </a14:hiddenFill>
+            </a:ext>
+          </a:extLst>
+        </p:spPr>
+      </p:pic>
+    </p:spTree>
+    <p:extLst>
+      <p:ext uri="{BB962C8B-B14F-4D97-AF65-F5344CB8AC3E}">
+        <p14:creationId xmlns:p14="http://schemas.microsoft.com/office/powerpoint/2010/main" val="2546562699"/>
       </p:ext>
     </p:extLst>
   </p:cSld>
